--- a/Presentations/Nhóm 09-Mẫu Proxy.pptx
+++ b/Presentations/Nhóm 09-Mẫu Proxy.pptx
@@ -11041,8 +11041,8 @@
         </p:blipFill>
         <p:spPr bwMode="auto">
           <a:xfrm>
-            <a:off x="1143000" y="4305300"/>
-            <a:ext cx="7043738" cy="2209800"/>
+            <a:off x="1371600" y="2743200"/>
+            <a:ext cx="7086600" cy="2223247"/>
           </a:xfrm>
           <a:prstGeom prst="rect">
             <a:avLst/>
@@ -11059,31 +11059,6 @@
           </a:extLst>
         </p:spPr>
       </p:pic>
-      <p:sp>
-        <p:nvSpPr>
-          <p:cNvPr id="4" name="Content Placeholder 3">
-            <a:extLst>
-              <a:ext uri="{FF2B5EF4-FFF2-40B4-BE49-F238E27FC236}">
-                <a16:creationId xmlns:a16="http://schemas.microsoft.com/office/drawing/2014/main" id="{E4D5B0E9-9DC1-0935-8246-D7A313354C4D}"/>
-              </a:ext>
-            </a:extLst>
-          </p:cNvPr>
-          <p:cNvSpPr>
-            <a:spLocks noGrp="1"/>
-          </p:cNvSpPr>
-          <p:nvPr>
-            <p:ph idx="1"/>
-          </p:nvPr>
-        </p:nvSpPr>
-        <p:spPr/>
-        <p:txBody>
-          <a:bodyPr/>
-          <a:lstStyle/>
-          <a:p>
-            <a:endParaRPr lang="vi-VN" dirty="0"/>
-          </a:p>
-        </p:txBody>
-      </p:sp>
     </p:spTree>
     <p:extLst>
       <p:ext uri="{BB962C8B-B14F-4D97-AF65-F5344CB8AC3E}">
